--- a/SeongIn/20180040_지성인_스마트폰게임프로그래밍_기획.pptx
+++ b/SeongIn/20180040_지성인_스마트폰게임프로그래밍_기획.pptx
@@ -6841,6 +6841,94 @@
           </a:graphicData>
         </a:graphic>
       </p:graphicFrame>
+      <p:pic>
+        <p:nvPicPr>
+          <p:cNvPr id="3" name="그림 2">
+            <a:extLst>
+              <a:ext uri="{FF2B5EF4-FFF2-40B4-BE49-F238E27FC236}">
+                <a16:creationId xmlns:a16="http://schemas.microsoft.com/office/drawing/2014/main" id="{979A1D7C-AC21-5A4D-98C8-DB0D6835FEEE}"/>
+              </a:ext>
+            </a:extLst>
+          </p:cNvPr>
+          <p:cNvPicPr>
+            <a:picLocks noChangeAspect="1"/>
+          </p:cNvPicPr>
+          <p:nvPr/>
+        </p:nvPicPr>
+        <p:blipFill>
+          <a:blip r:embed="rId2">
+            <a:extLst>
+              <a:ext uri="{28A0092B-C50C-407E-A947-70E740481C1C}">
+                <a14:useLocalDpi xmlns:a14="http://schemas.microsoft.com/office/drawing/2010/main" val="0"/>
+              </a:ext>
+            </a:extLst>
+          </a:blip>
+          <a:stretch>
+            <a:fillRect/>
+          </a:stretch>
+        </p:blipFill>
+        <p:spPr>
+          <a:xfrm>
+            <a:off x="1561172" y="762003"/>
+            <a:ext cx="7653366" cy="4780154"/>
+          </a:xfrm>
+          <a:prstGeom prst="rect">
+            <a:avLst/>
+          </a:prstGeom>
+        </p:spPr>
+      </p:pic>
+      <p:sp>
+        <p:nvSpPr>
+          <p:cNvPr id="4" name="텍스트상자 3">
+            <a:extLst>
+              <a:ext uri="{FF2B5EF4-FFF2-40B4-BE49-F238E27FC236}">
+                <a16:creationId xmlns:a16="http://schemas.microsoft.com/office/drawing/2014/main" id="{A4C411DB-3723-6C45-9827-2E01B3313F1D}"/>
+              </a:ext>
+            </a:extLst>
+          </p:cNvPr>
+          <p:cNvSpPr txBox="1"/>
+          <p:nvPr/>
+        </p:nvSpPr>
+        <p:spPr>
+          <a:xfrm>
+            <a:off x="2200421" y="5631996"/>
+            <a:ext cx="6657278" cy="369332"/>
+          </a:xfrm>
+          <a:prstGeom prst="rect">
+            <a:avLst/>
+          </a:prstGeom>
+          <a:noFill/>
+        </p:spPr>
+        <p:txBody>
+          <a:bodyPr wrap="square" rtlCol="0">
+            <a:spAutoFit/>
+          </a:bodyPr>
+          <a:lstStyle/>
+          <a:p>
+            <a:r>
+              <a:rPr kumimoji="1" lang="en" altLang="ko-KR" dirty="0"/>
+              <a:t>https://</a:t>
+            </a:r>
+            <a:r>
+              <a:rPr kumimoji="1" lang="en" altLang="ko-KR" dirty="0" err="1"/>
+              <a:t>github.com</a:t>
+            </a:r>
+            <a:r>
+              <a:rPr kumimoji="1" lang="en" altLang="ko-KR" dirty="0"/>
+              <a:t>/</a:t>
+            </a:r>
+            <a:r>
+              <a:rPr kumimoji="1" lang="en" altLang="ko-KR" dirty="0" err="1"/>
+              <a:t>Seong</a:t>
+            </a:r>
+            <a:r>
+              <a:rPr kumimoji="1" lang="en" altLang="ko-KR" dirty="0"/>
+              <a:t>-In/SGP_2013180040_SeongIn</a:t>
+            </a:r>
+            <a:endParaRPr kumimoji="1" lang="ko-KR" altLang="en-US" dirty="0"/>
+          </a:p>
+        </p:txBody>
+      </p:sp>
     </p:spTree>
     <p:extLst>
       <p:ext uri="{BB962C8B-B14F-4D97-AF65-F5344CB8AC3E}">
